--- a/help/data-sheets/assets/EliteSupportDatasheet.pptx
+++ b/help/data-sheets/assets/EliteSupportDatasheet.pptx
@@ -218,7 +218,7 @@
           <a:p>
             <a:fld id="{C12E57D6-2086-AA47-A7A4-C0CDE7C14E44}" type="datetimeFigureOut">
               <a:rPr lang="en-US" smtClean="0"/>
-              <a:t>10/11/21</a:t>
+              <a:t>11/18/21</a:t>
             </a:fld>
             <a:endParaRPr lang="en-US"/>
           </a:p>
@@ -777,7 +777,7 @@
           <a:p>
             <a:fld id="{1D8BD707-D9CF-40AE-B4C6-C98DA3205C09}" type="datetimeFigureOut">
               <a:rPr lang="en-US"/>
-              <a:t>10/11/21</a:t>
+              <a:t>11/18/21</a:t>
             </a:fld>
             <a:endParaRPr lang="en-US"/>
           </a:p>
@@ -1022,7 +1022,7 @@
           <a:p>
             <a:fld id="{1D8BD707-D9CF-40AE-B4C6-C98DA3205C09}" type="datetimeFigureOut">
               <a:rPr lang="en-US"/>
-              <a:t>10/11/21</a:t>
+              <a:t>11/18/21</a:t>
             </a:fld>
             <a:endParaRPr lang="en-US"/>
           </a:p>
@@ -1280,7 +1280,7 @@
           <a:p>
             <a:fld id="{1D8BD707-D9CF-40AE-B4C6-C98DA3205C09}" type="datetimeFigureOut">
               <a:rPr lang="en-US"/>
-              <a:t>10/11/21</a:t>
+              <a:t>11/18/21</a:t>
             </a:fld>
             <a:endParaRPr lang="en-US"/>
           </a:p>
@@ -1472,7 +1472,7 @@
           <a:p>
             <a:fld id="{1D8BD707-D9CF-40AE-B4C6-C98DA3205C09}" type="datetimeFigureOut">
               <a:rPr lang="en-US"/>
-              <a:t>10/11/21</a:t>
+              <a:t>11/18/21</a:t>
             </a:fld>
             <a:endParaRPr lang="en-US"/>
           </a:p>
@@ -1635,7 +1635,7 @@
           <a:p>
             <a:fld id="{1D8BD707-D9CF-40AE-B4C6-C98DA3205C09}" type="datetimeFigureOut">
               <a:rPr lang="en-US"/>
-              <a:t>10/11/21</a:t>
+              <a:t>11/18/21</a:t>
             </a:fld>
             <a:endParaRPr lang="en-US"/>
           </a:p>
@@ -1898,7 +1898,7 @@
           <a:p>
             <a:fld id="{1D8BD707-D9CF-40AE-B4C6-C98DA3205C09}" type="datetimeFigureOut">
               <a:rPr lang="en-US"/>
-              <a:t>10/11/21</a:t>
+              <a:t>11/18/21</a:t>
             </a:fld>
             <a:endParaRPr lang="en-US"/>
           </a:p>
@@ -2198,8 +2198,17 @@
               <a:rPr lang="en-US" sz="2300" dirty="0">
                 <a:latin typeface="Adobe Clean" panose="020B0503020404020204" pitchFamily="34" charset="0"/>
               </a:rPr>
-              <a:t>Adobe 支持产品/服务</a:t>
-            </a:r>
+              <a:t>Adobe </a:t>
+            </a:r>
+            <a:r>
+              <a:rPr lang="ja-JP" altLang="en-US" sz="2300">
+                <a:latin typeface="Adobe Clean" panose="020B0503020404020204" pitchFamily="34" charset="0"/>
+              </a:rPr>
+              <a:t>支持计划</a:t>
+            </a:r>
+            <a:endParaRPr lang="en-US" sz="2300" dirty="0">
+              <a:latin typeface="Adobe Clean" panose="020B0503020404020204" pitchFamily="34" charset="0"/>
+            </a:endParaRPr>
           </a:p>
         </p:txBody>
       </p:sp>
@@ -2523,11 +2532,16 @@
             <p:custDataLst>
               <p:tags r:id="rId1"/>
             </p:custDataLst>
+            <p:extLst>
+              <p:ext uri="{D42A27DB-BD31-4B8C-83A1-F6EECF244321}">
+                <p14:modId xmlns:p14="http://schemas.microsoft.com/office/powerpoint/2010/main" val="3966141784"/>
+              </p:ext>
+            </p:extLst>
           </p:nvPr>
         </p:nvGraphicFramePr>
         <p:xfrm>
           <a:off x="145668" y="7473158"/>
-          <a:ext cx="7409815" cy="2313301"/>
+          <a:ext cx="7409815" cy="2204589"/>
         </p:xfrm>
         <a:graphic>
           <a:graphicData uri="http://schemas.openxmlformats.org/drawingml/2006/table">
@@ -2536,14 +2550,14 @@
                 <a:tableStyleId>{2D5ABB26-0587-4C30-8999-92F81FD0307C}</a:tableStyleId>
               </a:tblPr>
               <a:tblGrid>
-                <a:gridCol w="4654932">
+                <a:gridCol w="4502532">
                   <a:extLst>
                     <a:ext uri="{9D8B030D-6E8A-4147-A177-3AD203B41FA5}">
                       <a16:colId xmlns:a16="http://schemas.microsoft.com/office/drawing/2014/main" val="20000"/>
                     </a:ext>
                   </a:extLst>
                 </a:gridCol>
-                <a:gridCol w="1371600">
+                <a:gridCol w="1524000">
                   <a:extLst>
                     <a:ext uri="{9D8B030D-6E8A-4147-A177-3AD203B41FA5}">
                       <a16:colId xmlns:a16="http://schemas.microsoft.com/office/drawing/2014/main" val="20001"/>
@@ -2851,11 +2865,22 @@
                     <a:bodyPr/>
                     <a:lstStyle/>
                     <a:p>
-                      <a:pPr marL="542925" marR="492125" algn="l">
+                      <a:pPr marL="357188" marR="492125" indent="0" algn="ctr">
                         <a:lnSpc>
                           <a:spcPct val="102000"/>
                         </a:lnSpc>
+                        <a:tabLst/>
                       </a:pPr>
+                      <a:r>
+                        <a:rPr lang="en-US" sz="900" spc="0" dirty="0" err="1">
+                          <a:solidFill>
+                            <a:srgbClr val="020302"/>
+                          </a:solidFill>
+                          <a:latin typeface="AdobeClean-Light"/>
+                          <a:cs typeface="AdobeClean-Light"/>
+                        </a:rPr>
+                        <a:t>全天候</a:t>
+                      </a:r>
                       <a:r>
                         <a:rPr lang="en-US" sz="900" spc="0" dirty="0">
                           <a:solidFill>
@@ -2864,7 +2889,26 @@
                           <a:latin typeface="AdobeClean-Light"/>
                           <a:cs typeface="AdobeClean-Light"/>
                         </a:rPr>
-                        <a:t>全天候/1 小时</a:t>
+                        <a:t>/</a:t>
+                      </a:r>
+                      <a:br>
+                        <a:rPr lang="en-US" sz="900" spc="0" dirty="0">
+                          <a:solidFill>
+                            <a:srgbClr val="020302"/>
+                          </a:solidFill>
+                          <a:latin typeface="AdobeClean-Light"/>
+                          <a:cs typeface="AdobeClean-Light"/>
+                        </a:rPr>
+                      </a:br>
+                      <a:r>
+                        <a:rPr lang="en-US" sz="900" spc="0" dirty="0">
+                          <a:solidFill>
+                            <a:srgbClr val="020302"/>
+                          </a:solidFill>
+                          <a:latin typeface="AdobeClean-Light"/>
+                          <a:cs typeface="AdobeClean-Light"/>
+                        </a:rPr>
+                        <a:t>1 小时</a:t>
                       </a:r>
                       <a:endParaRPr sz="900" spc="0" dirty="0">
                         <a:latin typeface="AdobeClean-Light"/>
@@ -2907,11 +2951,22 @@
                     <a:bodyPr/>
                     <a:lstStyle/>
                     <a:p>
-                      <a:pPr marL="405130" marR="459740" indent="92710" algn="l">
+                      <a:pPr marL="404813" marR="459740" indent="-4763" algn="ctr">
                         <a:lnSpc>
                           <a:spcPct val="100000"/>
                         </a:lnSpc>
+                        <a:tabLst/>
                       </a:pPr>
+                      <a:r>
+                        <a:rPr lang="en-US" sz="900" spc="0" dirty="0" err="1">
+                          <a:solidFill>
+                            <a:srgbClr val="020302"/>
+                          </a:solidFill>
+                          <a:latin typeface="AdobeClean-Light"/>
+                          <a:cs typeface="AdobeClean-Light"/>
+                        </a:rPr>
+                        <a:t>全天候</a:t>
+                      </a:r>
                       <a:r>
                         <a:rPr lang="en-US" sz="900" spc="0" dirty="0">
                           <a:solidFill>
@@ -2920,7 +2975,26 @@
                           <a:latin typeface="AdobeClean-Light"/>
                           <a:cs typeface="AdobeClean-Light"/>
                         </a:rPr>
-                        <a:t>全天候/15 分钟</a:t>
+                        <a:t>/</a:t>
+                      </a:r>
+                      <a:br>
+                        <a:rPr lang="en-US" sz="900" spc="0" dirty="0">
+                          <a:solidFill>
+                            <a:srgbClr val="020302"/>
+                          </a:solidFill>
+                          <a:latin typeface="AdobeClean-Light"/>
+                          <a:cs typeface="AdobeClean-Light"/>
+                        </a:rPr>
+                      </a:br>
+                      <a:r>
+                        <a:rPr lang="en-US" sz="900" spc="0" dirty="0">
+                          <a:solidFill>
+                            <a:srgbClr val="020302"/>
+                          </a:solidFill>
+                          <a:latin typeface="AdobeClean-Light"/>
+                          <a:cs typeface="AdobeClean-Light"/>
+                        </a:rPr>
+                        <a:t>15 分钟</a:t>
                       </a:r>
                       <a:endParaRPr sz="900" spc="0" dirty="0">
                         <a:latin typeface="AdobeClean-Light"/>
@@ -3075,7 +3149,7 @@
                     <a:bodyPr/>
                     <a:lstStyle/>
                     <a:p>
-                      <a:pPr marL="473710" marR="343535" indent="-175895" algn="l">
+                      <a:pPr marL="473710" marR="343535" indent="-175895" algn="ctr">
                         <a:lnSpc>
                           <a:spcPct val="102000"/>
                         </a:lnSpc>
@@ -3128,10 +3202,11 @@
                     <a:bodyPr/>
                     <a:lstStyle/>
                     <a:p>
-                      <a:pPr marL="351790" marR="481330" indent="144145" algn="l">
+                      <a:pPr marL="350838" marR="481330" indent="6350" algn="ctr">
                         <a:lnSpc>
                           <a:spcPct val="102000"/>
                         </a:lnSpc>
+                        <a:tabLst/>
                       </a:pPr>
                       <a:r>
                         <a:rPr lang="en-US" sz="900" spc="0" dirty="0">
@@ -3293,7 +3368,7 @@
                     <a:bodyPr/>
                     <a:lstStyle/>
                     <a:p>
-                      <a:pPr marL="473710" marR="343535" indent="-175895" algn="l">
+                      <a:pPr marL="473710" marR="343535" indent="-175895" algn="ctr">
                         <a:lnSpc>
                           <a:spcPct val="102000"/>
                         </a:lnSpc>
@@ -3346,11 +3421,23 @@
                     <a:bodyPr/>
                     <a:lstStyle/>
                     <a:p>
-                      <a:pPr marL="508000" marR="531495" indent="1270" algn="l">
+                      <a:pPr marL="357188" marR="531495" indent="0" algn="ctr">
                         <a:lnSpc>
                           <a:spcPct val="102000"/>
                         </a:lnSpc>
+                        <a:tabLst/>
                       </a:pPr>
+                      <a:r>
+                        <a:rPr lang="en-US" sz="900" spc="0" dirty="0" err="1">
+                          <a:solidFill>
+                            <a:srgbClr val="020302"/>
+                          </a:solidFill>
+                          <a:latin typeface="AdobeClean-Light"/>
+                          <a:ea typeface="+mn-ea"/>
+                          <a:cs typeface="AdobeClean-Light"/>
+                        </a:rPr>
+                        <a:t>工作日全天候</a:t>
+                      </a:r>
                       <a:r>
                         <a:rPr lang="en-US" sz="900" spc="0" dirty="0">
                           <a:solidFill>
@@ -3360,7 +3447,28 @@
                           <a:ea typeface="+mn-ea"/>
                           <a:cs typeface="AdobeClean-Light"/>
                         </a:rPr>
-                        <a:t>工作日全天候/1 小时</a:t>
+                        <a:t>/</a:t>
+                      </a:r>
+                      <a:br>
+                        <a:rPr lang="en-US" sz="900" spc="0" dirty="0">
+                          <a:solidFill>
+                            <a:srgbClr val="020302"/>
+                          </a:solidFill>
+                          <a:latin typeface="AdobeClean-Light"/>
+                          <a:ea typeface="+mn-ea"/>
+                          <a:cs typeface="AdobeClean-Light"/>
+                        </a:rPr>
+                      </a:br>
+                      <a:r>
+                        <a:rPr lang="en-US" sz="900" spc="0" dirty="0">
+                          <a:solidFill>
+                            <a:srgbClr val="020302"/>
+                          </a:solidFill>
+                          <a:latin typeface="AdobeClean-Light"/>
+                          <a:ea typeface="+mn-ea"/>
+                          <a:cs typeface="AdobeClean-Light"/>
+                        </a:rPr>
+                        <a:t>1 小时</a:t>
                       </a:r>
                     </a:p>
                   </a:txBody>
@@ -3508,7 +3616,7 @@
                     <a:bodyPr/>
                     <a:lstStyle/>
                     <a:p>
-                      <a:pPr marL="473710" marR="343535" indent="-175895" algn="l">
+                      <a:pPr marL="473710" marR="343535" indent="-175895" algn="ctr">
                         <a:lnSpc>
                           <a:spcPct val="102000"/>
                         </a:lnSpc>
@@ -3561,7 +3669,7 @@
                     <a:bodyPr/>
                     <a:lstStyle/>
                     <a:p>
-                      <a:pPr marL="473710" marR="343535" indent="-175895" algn="l">
+                      <a:pPr marL="473710" marR="343535" indent="-175895" algn="ctr">
                         <a:lnSpc>
                           <a:spcPct val="102000"/>
                         </a:lnSpc>
